--- a/เว็บไซต์เบเกอรี่บานบุรี.pptx
+++ b/เว็บไซต์เบเกอรี่บานบุรี.pptx
@@ -10,7 +10,8 @@
     <p:sldId id="258" r:id="rId4"/>
     <p:sldId id="259" r:id="rId5"/>
     <p:sldId id="260" r:id="rId6"/>
-    <p:sldId id="261" r:id="rId7"/>
+    <p:sldId id="262" r:id="rId7"/>
+    <p:sldId id="261" r:id="rId8"/>
   </p:sldIdLst>
   <p:sldSz cx="12192000" cy="6858000"/>
   <p:notesSz cx="6858000" cy="9144000"/>
@@ -109,6 +110,11 @@
       </a:defRPr>
     </a:lvl9pPr>
   </p:defaultTextStyle>
+  <p:extLst>
+    <p:ext uri="{EFAFB233-063F-42B5-8137-9DF3F51BA10A}">
+      <p15:sldGuideLst xmlns:p15="http://schemas.microsoft.com/office/powerpoint/2012/main"/>
+    </p:ext>
+  </p:extLst>
 </p:presentation>
 </file>
 
@@ -261,7 +267,7 @@
           <a:p>
             <a:fld id="{0F26FD0D-D3B8-45BE-93CE-ADD4DB67637F}" type="datetimeFigureOut">
               <a:rPr lang="th-TH" smtClean="0"/>
-              <a:t>18/09/65</a:t>
+              <a:t>19/09/65</a:t>
             </a:fld>
             <a:endParaRPr lang="th-TH"/>
           </a:p>
@@ -461,7 +467,7 @@
           <a:p>
             <a:fld id="{0F26FD0D-D3B8-45BE-93CE-ADD4DB67637F}" type="datetimeFigureOut">
               <a:rPr lang="th-TH" smtClean="0"/>
-              <a:t>18/09/65</a:t>
+              <a:t>19/09/65</a:t>
             </a:fld>
             <a:endParaRPr lang="th-TH"/>
           </a:p>
@@ -671,7 +677,7 @@
           <a:p>
             <a:fld id="{0F26FD0D-D3B8-45BE-93CE-ADD4DB67637F}" type="datetimeFigureOut">
               <a:rPr lang="th-TH" smtClean="0"/>
-              <a:t>18/09/65</a:t>
+              <a:t>19/09/65</a:t>
             </a:fld>
             <a:endParaRPr lang="th-TH"/>
           </a:p>
@@ -871,7 +877,7 @@
           <a:p>
             <a:fld id="{0F26FD0D-D3B8-45BE-93CE-ADD4DB67637F}" type="datetimeFigureOut">
               <a:rPr lang="th-TH" smtClean="0"/>
-              <a:t>18/09/65</a:t>
+              <a:t>19/09/65</a:t>
             </a:fld>
             <a:endParaRPr lang="th-TH"/>
           </a:p>
@@ -1147,7 +1153,7 @@
           <a:p>
             <a:fld id="{0F26FD0D-D3B8-45BE-93CE-ADD4DB67637F}" type="datetimeFigureOut">
               <a:rPr lang="th-TH" smtClean="0"/>
-              <a:t>18/09/65</a:t>
+              <a:t>19/09/65</a:t>
             </a:fld>
             <a:endParaRPr lang="th-TH"/>
           </a:p>
@@ -1415,7 +1421,7 @@
           <a:p>
             <a:fld id="{0F26FD0D-D3B8-45BE-93CE-ADD4DB67637F}" type="datetimeFigureOut">
               <a:rPr lang="th-TH" smtClean="0"/>
-              <a:t>18/09/65</a:t>
+              <a:t>19/09/65</a:t>
             </a:fld>
             <a:endParaRPr lang="th-TH"/>
           </a:p>
@@ -1830,7 +1836,7 @@
           <a:p>
             <a:fld id="{0F26FD0D-D3B8-45BE-93CE-ADD4DB67637F}" type="datetimeFigureOut">
               <a:rPr lang="th-TH" smtClean="0"/>
-              <a:t>18/09/65</a:t>
+              <a:t>19/09/65</a:t>
             </a:fld>
             <a:endParaRPr lang="th-TH"/>
           </a:p>
@@ -1972,7 +1978,7 @@
           <a:p>
             <a:fld id="{0F26FD0D-D3B8-45BE-93CE-ADD4DB67637F}" type="datetimeFigureOut">
               <a:rPr lang="th-TH" smtClean="0"/>
-              <a:t>18/09/65</a:t>
+              <a:t>19/09/65</a:t>
             </a:fld>
             <a:endParaRPr lang="th-TH"/>
           </a:p>
@@ -2085,7 +2091,7 @@
           <a:p>
             <a:fld id="{0F26FD0D-D3B8-45BE-93CE-ADD4DB67637F}" type="datetimeFigureOut">
               <a:rPr lang="th-TH" smtClean="0"/>
-              <a:t>18/09/65</a:t>
+              <a:t>19/09/65</a:t>
             </a:fld>
             <a:endParaRPr lang="th-TH"/>
           </a:p>
@@ -2398,7 +2404,7 @@
           <a:p>
             <a:fld id="{0F26FD0D-D3B8-45BE-93CE-ADD4DB67637F}" type="datetimeFigureOut">
               <a:rPr lang="th-TH" smtClean="0"/>
-              <a:t>18/09/65</a:t>
+              <a:t>19/09/65</a:t>
             </a:fld>
             <a:endParaRPr lang="th-TH"/>
           </a:p>
@@ -2687,7 +2693,7 @@
           <a:p>
             <a:fld id="{0F26FD0D-D3B8-45BE-93CE-ADD4DB67637F}" type="datetimeFigureOut">
               <a:rPr lang="th-TH" smtClean="0"/>
-              <a:t>18/09/65</a:t>
+              <a:t>19/09/65</a:t>
             </a:fld>
             <a:endParaRPr lang="th-TH"/>
           </a:p>
@@ -2930,7 +2936,7 @@
           <a:p>
             <a:fld id="{0F26FD0D-D3B8-45BE-93CE-ADD4DB67637F}" type="datetimeFigureOut">
               <a:rPr lang="th-TH" smtClean="0"/>
-              <a:t>18/09/65</a:t>
+              <a:t>19/09/65</a:t>
             </a:fld>
             <a:endParaRPr lang="th-TH"/>
           </a:p>
@@ -3702,6 +3708,72 @@
           </a:p>
         </p:txBody>
       </p:sp>
+      <p:pic>
+        <p:nvPicPr>
+          <p:cNvPr id="4" name="Picture 3">
+            <a:extLst>
+              <a:ext uri="{FF2B5EF4-FFF2-40B4-BE49-F238E27FC236}">
+                <a16:creationId xmlns:a16="http://schemas.microsoft.com/office/drawing/2014/main" id="{567FE2D6-E1EC-0AD2-2DAE-713BDB2C64D4}"/>
+              </a:ext>
+            </a:extLst>
+          </p:cNvPr>
+          <p:cNvPicPr>
+            <a:picLocks noChangeAspect="1"/>
+          </p:cNvPicPr>
+          <p:nvPr/>
+        </p:nvPicPr>
+        <p:blipFill>
+          <a:blip r:embed="rId2"/>
+          <a:stretch>
+            <a:fillRect/>
+          </a:stretch>
+        </p:blipFill>
+        <p:spPr>
+          <a:xfrm>
+            <a:off x="1813419" y="1690688"/>
+            <a:ext cx="8565161" cy="4817903"/>
+          </a:xfrm>
+          <a:prstGeom prst="rect">
+            <a:avLst/>
+          </a:prstGeom>
+        </p:spPr>
+      </p:pic>
+      <p:sp>
+        <p:nvSpPr>
+          <p:cNvPr id="5" name="TextBox 4">
+            <a:extLst>
+              <a:ext uri="{FF2B5EF4-FFF2-40B4-BE49-F238E27FC236}">
+                <a16:creationId xmlns:a16="http://schemas.microsoft.com/office/drawing/2014/main" id="{740D83AF-B7E6-FB1B-6318-51D30AD95A12}"/>
+              </a:ext>
+            </a:extLst>
+          </p:cNvPr>
+          <p:cNvSpPr txBox="1"/>
+          <p:nvPr/>
+        </p:nvSpPr>
+        <p:spPr>
+          <a:xfrm>
+            <a:off x="5478011" y="1027906"/>
+            <a:ext cx="1644242" cy="523220"/>
+          </a:xfrm>
+          <a:prstGeom prst="rect">
+            <a:avLst/>
+          </a:prstGeom>
+          <a:noFill/>
+        </p:spPr>
+        <p:txBody>
+          <a:bodyPr wrap="square" rtlCol="0">
+            <a:spAutoFit/>
+          </a:bodyPr>
+          <a:lstStyle/>
+          <a:p>
+            <a:r>
+              <a:rPr lang="en-US" dirty="0"/>
+              <a:t>Desktop</a:t>
+            </a:r>
+            <a:endParaRPr lang="th-TH" dirty="0"/>
+          </a:p>
+        </p:txBody>
+      </p:sp>
     </p:spTree>
     <p:extLst>
       <p:ext uri="{BB962C8B-B14F-4D97-AF65-F5344CB8AC3E}">
@@ -3716,6 +3788,144 @@
 </file>
 
 <file path=ppt/slides/slide6.xml><?xml version="1.0" encoding="utf-8"?>
+<p:sld xmlns:a="http://schemas.openxmlformats.org/drawingml/2006/main" xmlns:r="http://schemas.openxmlformats.org/officeDocument/2006/relationships" xmlns:p="http://schemas.openxmlformats.org/presentationml/2006/main">
+  <p:cSld>
+    <p:spTree>
+      <p:nvGrpSpPr>
+        <p:cNvPr id="1" name=""/>
+        <p:cNvGrpSpPr/>
+        <p:nvPr/>
+      </p:nvGrpSpPr>
+      <p:grpSpPr>
+        <a:xfrm>
+          <a:off x="0" y="0"/>
+          <a:ext cx="0" cy="0"/>
+          <a:chOff x="0" y="0"/>
+          <a:chExt cx="0" cy="0"/>
+        </a:xfrm>
+      </p:grpSpPr>
+      <p:pic>
+        <p:nvPicPr>
+          <p:cNvPr id="5" name="Picture 4">
+            <a:extLst>
+              <a:ext uri="{FF2B5EF4-FFF2-40B4-BE49-F238E27FC236}">
+                <a16:creationId xmlns:a16="http://schemas.microsoft.com/office/drawing/2014/main" id="{0B7734C5-6B16-3EF1-38BF-F469EA812A73}"/>
+              </a:ext>
+            </a:extLst>
+          </p:cNvPr>
+          <p:cNvPicPr>
+            <a:picLocks noChangeAspect="1"/>
+          </p:cNvPicPr>
+          <p:nvPr/>
+        </p:nvPicPr>
+        <p:blipFill>
+          <a:blip r:embed="rId2">
+            <a:extLst>
+              <a:ext uri="{28A0092B-C50C-407E-A947-70E740481C1C}">
+                <a14:useLocalDpi xmlns:a14="http://schemas.microsoft.com/office/drawing/2010/main" val="0"/>
+              </a:ext>
+            </a:extLst>
+          </a:blip>
+          <a:stretch>
+            <a:fillRect/>
+          </a:stretch>
+        </p:blipFill>
+        <p:spPr>
+          <a:xfrm>
+            <a:off x="7382805" y="1457087"/>
+            <a:ext cx="2327882" cy="5044976"/>
+          </a:xfrm>
+          <a:prstGeom prst="rect">
+            <a:avLst/>
+          </a:prstGeom>
+        </p:spPr>
+      </p:pic>
+      <p:pic>
+        <p:nvPicPr>
+          <p:cNvPr id="7" name="Picture 6">
+            <a:extLst>
+              <a:ext uri="{FF2B5EF4-FFF2-40B4-BE49-F238E27FC236}">
+                <a16:creationId xmlns:a16="http://schemas.microsoft.com/office/drawing/2014/main" id="{3B1AA7F3-195A-667A-E0B2-879EBD08DA96}"/>
+              </a:ext>
+            </a:extLst>
+          </p:cNvPr>
+          <p:cNvPicPr>
+            <a:picLocks noChangeAspect="1"/>
+          </p:cNvPicPr>
+          <p:nvPr/>
+        </p:nvPicPr>
+        <p:blipFill>
+          <a:blip r:embed="rId3">
+            <a:extLst>
+              <a:ext uri="{28A0092B-C50C-407E-A947-70E740481C1C}">
+                <a14:useLocalDpi xmlns:a14="http://schemas.microsoft.com/office/drawing/2010/main" val="0"/>
+              </a:ext>
+            </a:extLst>
+          </a:blip>
+          <a:stretch>
+            <a:fillRect/>
+          </a:stretch>
+        </p:blipFill>
+        <p:spPr>
+          <a:xfrm>
+            <a:off x="2355479" y="1457087"/>
+            <a:ext cx="2327882" cy="5044976"/>
+          </a:xfrm>
+          <a:prstGeom prst="rect">
+            <a:avLst/>
+          </a:prstGeom>
+        </p:spPr>
+      </p:pic>
+      <p:sp>
+        <p:nvSpPr>
+          <p:cNvPr id="8" name="TextBox 7">
+            <a:extLst>
+              <a:ext uri="{FF2B5EF4-FFF2-40B4-BE49-F238E27FC236}">
+                <a16:creationId xmlns:a16="http://schemas.microsoft.com/office/drawing/2014/main" id="{7DDBCF3B-094E-1515-66F4-B558C41E16AB}"/>
+              </a:ext>
+            </a:extLst>
+          </p:cNvPr>
+          <p:cNvSpPr txBox="1"/>
+          <p:nvPr/>
+        </p:nvSpPr>
+        <p:spPr>
+          <a:xfrm>
+            <a:off x="5371258" y="584379"/>
+            <a:ext cx="2413725" cy="523220"/>
+          </a:xfrm>
+          <a:prstGeom prst="rect">
+            <a:avLst/>
+          </a:prstGeom>
+          <a:noFill/>
+        </p:spPr>
+        <p:txBody>
+          <a:bodyPr wrap="square" rtlCol="0">
+            <a:spAutoFit/>
+          </a:bodyPr>
+          <a:lstStyle/>
+          <a:p>
+            <a:r>
+              <a:rPr lang="en-US" dirty="0"/>
+              <a:t>Mobile</a:t>
+            </a:r>
+            <a:endParaRPr lang="th-TH" dirty="0"/>
+          </a:p>
+        </p:txBody>
+      </p:sp>
+    </p:spTree>
+    <p:extLst>
+      <p:ext uri="{BB962C8B-B14F-4D97-AF65-F5344CB8AC3E}">
+        <p14:creationId xmlns:p14="http://schemas.microsoft.com/office/powerpoint/2010/main" val="2970175275"/>
+      </p:ext>
+    </p:extLst>
+  </p:cSld>
+  <p:clrMapOvr>
+    <a:masterClrMapping/>
+  </p:clrMapOvr>
+</p:sld>
+</file>
+
+<file path=ppt/slides/slide7.xml><?xml version="1.0" encoding="utf-8"?>
 <p:sld xmlns:a="http://schemas.openxmlformats.org/drawingml/2006/main" xmlns:r="http://schemas.openxmlformats.org/officeDocument/2006/relationships" xmlns:p="http://schemas.openxmlformats.org/presentationml/2006/main">
   <p:cSld>
     <p:spTree>
